--- a/页面跳转流程.pptx
+++ b/页面跳转流程.pptx
@@ -104,6 +104,11 @@
       </a:defRPr>
     </a:lvl9pPr>
   </p:defaultTextStyle>
+  <p:extLst>
+    <p:ext uri="{EFAFB233-063F-42B5-8137-9DF3F51BA10A}">
+      <p15:sldGuideLst xmlns:p15="http://schemas.microsoft.com/office/powerpoint/2012/main"/>
+    </p:ext>
+  </p:extLst>
 </p:presentation>
 </file>
 
@@ -254,7 +259,7 @@
           <a:p>
             <a:fld id="{429853B9-CB19-45F5-8844-27D8DA50183D}" type="datetimeFigureOut">
               <a:rPr lang="zh-CN" altLang="en-US" smtClean="0"/>
-              <a:t>2023/8/30</a:t>
+              <a:t>2023/8/31</a:t>
             </a:fld>
             <a:endParaRPr lang="zh-CN" altLang="en-US"/>
           </a:p>
@@ -452,7 +457,7 @@
           <a:p>
             <a:fld id="{429853B9-CB19-45F5-8844-27D8DA50183D}" type="datetimeFigureOut">
               <a:rPr lang="zh-CN" altLang="en-US" smtClean="0"/>
-              <a:t>2023/8/30</a:t>
+              <a:t>2023/8/31</a:t>
             </a:fld>
             <a:endParaRPr lang="zh-CN" altLang="en-US"/>
           </a:p>
@@ -660,7 +665,7 @@
           <a:p>
             <a:fld id="{429853B9-CB19-45F5-8844-27D8DA50183D}" type="datetimeFigureOut">
               <a:rPr lang="zh-CN" altLang="en-US" smtClean="0"/>
-              <a:t>2023/8/30</a:t>
+              <a:t>2023/8/31</a:t>
             </a:fld>
             <a:endParaRPr lang="zh-CN" altLang="en-US"/>
           </a:p>
@@ -858,7 +863,7 @@
           <a:p>
             <a:fld id="{429853B9-CB19-45F5-8844-27D8DA50183D}" type="datetimeFigureOut">
               <a:rPr lang="zh-CN" altLang="en-US" smtClean="0"/>
-              <a:t>2023/8/30</a:t>
+              <a:t>2023/8/31</a:t>
             </a:fld>
             <a:endParaRPr lang="zh-CN" altLang="en-US"/>
           </a:p>
@@ -1133,7 +1138,7 @@
           <a:p>
             <a:fld id="{429853B9-CB19-45F5-8844-27D8DA50183D}" type="datetimeFigureOut">
               <a:rPr lang="zh-CN" altLang="en-US" smtClean="0"/>
-              <a:t>2023/8/30</a:t>
+              <a:t>2023/8/31</a:t>
             </a:fld>
             <a:endParaRPr lang="zh-CN" altLang="en-US"/>
           </a:p>
@@ -1398,7 +1403,7 @@
           <a:p>
             <a:fld id="{429853B9-CB19-45F5-8844-27D8DA50183D}" type="datetimeFigureOut">
               <a:rPr lang="zh-CN" altLang="en-US" smtClean="0"/>
-              <a:t>2023/8/30</a:t>
+              <a:t>2023/8/31</a:t>
             </a:fld>
             <a:endParaRPr lang="zh-CN" altLang="en-US"/>
           </a:p>
@@ -1810,7 +1815,7 @@
           <a:p>
             <a:fld id="{429853B9-CB19-45F5-8844-27D8DA50183D}" type="datetimeFigureOut">
               <a:rPr lang="zh-CN" altLang="en-US" smtClean="0"/>
-              <a:t>2023/8/30</a:t>
+              <a:t>2023/8/31</a:t>
             </a:fld>
             <a:endParaRPr lang="zh-CN" altLang="en-US"/>
           </a:p>
@@ -1951,7 +1956,7 @@
           <a:p>
             <a:fld id="{429853B9-CB19-45F5-8844-27D8DA50183D}" type="datetimeFigureOut">
               <a:rPr lang="zh-CN" altLang="en-US" smtClean="0"/>
-              <a:t>2023/8/30</a:t>
+              <a:t>2023/8/31</a:t>
             </a:fld>
             <a:endParaRPr lang="zh-CN" altLang="en-US"/>
           </a:p>
@@ -2064,7 +2069,7 @@
           <a:p>
             <a:fld id="{429853B9-CB19-45F5-8844-27D8DA50183D}" type="datetimeFigureOut">
               <a:rPr lang="zh-CN" altLang="en-US" smtClean="0"/>
-              <a:t>2023/8/30</a:t>
+              <a:t>2023/8/31</a:t>
             </a:fld>
             <a:endParaRPr lang="zh-CN" altLang="en-US"/>
           </a:p>
@@ -2375,7 +2380,7 @@
           <a:p>
             <a:fld id="{429853B9-CB19-45F5-8844-27D8DA50183D}" type="datetimeFigureOut">
               <a:rPr lang="zh-CN" altLang="en-US" smtClean="0"/>
-              <a:t>2023/8/30</a:t>
+              <a:t>2023/8/31</a:t>
             </a:fld>
             <a:endParaRPr lang="zh-CN" altLang="en-US"/>
           </a:p>
@@ -2663,7 +2668,7 @@
           <a:p>
             <a:fld id="{429853B9-CB19-45F5-8844-27D8DA50183D}" type="datetimeFigureOut">
               <a:rPr lang="zh-CN" altLang="en-US" smtClean="0"/>
-              <a:t>2023/8/30</a:t>
+              <a:t>2023/8/31</a:t>
             </a:fld>
             <a:endParaRPr lang="zh-CN" altLang="en-US"/>
           </a:p>
@@ -2904,7 +2909,7 @@
           <a:p>
             <a:fld id="{429853B9-CB19-45F5-8844-27D8DA50183D}" type="datetimeFigureOut">
               <a:rPr lang="zh-CN" altLang="en-US" smtClean="0"/>
-              <a:t>2023/8/30</a:t>
+              <a:t>2023/8/31</a:t>
             </a:fld>
             <a:endParaRPr lang="zh-CN" altLang="en-US"/>
           </a:p>
@@ -3518,8 +3523,8 @@
         </p:nvSpPr>
         <p:spPr>
           <a:xfrm>
-            <a:off x="4607440" y="2564217"/>
-            <a:ext cx="1155405" cy="510363"/>
+            <a:off x="4398331" y="2562448"/>
+            <a:ext cx="1573617" cy="510363"/>
           </a:xfrm>
           <a:prstGeom prst="flowChartProcess">
             <a:avLst/>
@@ -3560,7 +3565,7 @@
                   <a:schemeClr val="tx1"/>
                 </a:solidFill>
               </a:rPr>
-              <a:t>存档界面</a:t>
+              <a:t>加载存档界面</a:t>
             </a:r>
           </a:p>
         </p:txBody>
@@ -4314,15 +4319,16 @@
             </a:extLst>
           </p:cNvPr>
           <p:cNvCxnSpPr>
+            <a:cxnSpLocks/>
             <a:stCxn id="21" idx="3"/>
             <a:endCxn id="19" idx="1"/>
           </p:cNvCxnSpPr>
           <p:nvPr/>
         </p:nvCxnSpPr>
         <p:spPr>
-          <a:xfrm>
-            <a:off x="3771013" y="2819398"/>
-            <a:ext cx="836427" cy="1"/>
+          <a:xfrm flipV="1">
+            <a:off x="3771013" y="2817630"/>
+            <a:ext cx="627318" cy="1768"/>
           </a:xfrm>
           <a:prstGeom prst="straightConnector1">
             <a:avLst/>
@@ -4693,7 +4699,7 @@
         </p:nvSpPr>
         <p:spPr>
           <a:xfrm>
-            <a:off x="7017484" y="3037366"/>
+            <a:off x="6796294" y="3055088"/>
             <a:ext cx="1155405" cy="510362"/>
           </a:xfrm>
           <a:prstGeom prst="flowChartAlternateProcess">
@@ -4757,8 +4763,8 @@
         </p:nvCxnSpPr>
         <p:spPr>
           <a:xfrm flipH="1">
-            <a:off x="7595187" y="2083979"/>
-            <a:ext cx="1573618" cy="953387"/>
+            <a:off x="7373997" y="2083979"/>
+            <a:ext cx="1794808" cy="971109"/>
           </a:xfrm>
           <a:prstGeom prst="straightConnector1">
             <a:avLst/>
@@ -4796,8 +4802,8 @@
         </p:nvSpPr>
         <p:spPr>
           <a:xfrm>
-            <a:off x="7017483" y="4033281"/>
-            <a:ext cx="1155405" cy="510363"/>
+            <a:off x="6599271" y="4033281"/>
+            <a:ext cx="1573617" cy="510363"/>
           </a:xfrm>
           <a:prstGeom prst="flowChartProcess">
             <a:avLst/>
@@ -4838,7 +4844,7 @@
                   <a:schemeClr val="tx1"/>
                 </a:solidFill>
               </a:rPr>
-              <a:t>存档界面</a:t>
+              <a:t>保存存档界面</a:t>
             </a:r>
           </a:p>
         </p:txBody>
@@ -4853,15 +4859,16 @@
             </a:extLst>
           </p:cNvPr>
           <p:cNvCxnSpPr>
+            <a:cxnSpLocks/>
             <a:stCxn id="68" idx="2"/>
             <a:endCxn id="72" idx="0"/>
           </p:cNvCxnSpPr>
           <p:nvPr/>
         </p:nvCxnSpPr>
         <p:spPr>
-          <a:xfrm flipH="1">
-            <a:off x="7595186" y="3547728"/>
-            <a:ext cx="1" cy="485553"/>
+          <a:xfrm>
+            <a:off x="7373997" y="3565450"/>
+            <a:ext cx="12083" cy="467831"/>
           </a:xfrm>
           <a:prstGeom prst="straightConnector1">
             <a:avLst/>
@@ -5420,6 +5427,48 @@
           <a:xfrm flipH="1">
             <a:off x="10784958" y="3547728"/>
             <a:ext cx="1" cy="473147"/>
+          </a:xfrm>
+          <a:prstGeom prst="straightConnector1">
+            <a:avLst/>
+          </a:prstGeom>
+          <a:ln w="12700">
+            <a:tailEnd type="triangle"/>
+          </a:ln>
+        </p:spPr>
+        <p:style>
+          <a:lnRef idx="1">
+            <a:schemeClr val="dk1"/>
+          </a:lnRef>
+          <a:fillRef idx="0">
+            <a:schemeClr val="dk1"/>
+          </a:fillRef>
+          <a:effectRef idx="0">
+            <a:schemeClr val="dk1"/>
+          </a:effectRef>
+          <a:fontRef idx="minor">
+            <a:schemeClr val="tx1"/>
+          </a:fontRef>
+        </p:style>
+      </p:cxnSp>
+      <p:cxnSp>
+        <p:nvCxnSpPr>
+          <p:cNvPr id="6" name="直接箭头连接符 5">
+            <a:extLst>
+              <a:ext uri="{FF2B5EF4-FFF2-40B4-BE49-F238E27FC236}">
+                <a16:creationId xmlns:a16="http://schemas.microsoft.com/office/drawing/2014/main" id="{D6AD8CE5-20C1-7914-EB26-15AA86166675}"/>
+              </a:ext>
+            </a:extLst>
+          </p:cNvPr>
+          <p:cNvCxnSpPr>
+            <a:stCxn id="19" idx="0"/>
+            <a:endCxn id="18" idx="2"/>
+          </p:cNvCxnSpPr>
+          <p:nvPr/>
+        </p:nvCxnSpPr>
+        <p:spPr>
+          <a:xfrm flipV="1">
+            <a:off x="5185140" y="2091068"/>
+            <a:ext cx="3" cy="471380"/>
           </a:xfrm>
           <a:prstGeom prst="straightConnector1">
             <a:avLst/>

--- a/页面跳转流程.pptx
+++ b/页面跳转流程.pptx
@@ -5474,6 +5474,384 @@
             <a:avLst/>
           </a:prstGeom>
           <a:ln w="12700">
+            <a:tailEnd type="triangle"/>
+          </a:ln>
+        </p:spPr>
+        <p:style>
+          <a:lnRef idx="1">
+            <a:schemeClr val="dk1"/>
+          </a:lnRef>
+          <a:fillRef idx="0">
+            <a:schemeClr val="dk1"/>
+          </a:fillRef>
+          <a:effectRef idx="0">
+            <a:schemeClr val="dk1"/>
+          </a:effectRef>
+          <a:fontRef idx="minor">
+            <a:schemeClr val="tx1"/>
+          </a:fontRef>
+        </p:style>
+      </p:cxnSp>
+      <p:cxnSp>
+        <p:nvCxnSpPr>
+          <p:cNvPr id="3" name="连接符: 肘形 2">
+            <a:extLst>
+              <a:ext uri="{FF2B5EF4-FFF2-40B4-BE49-F238E27FC236}">
+                <a16:creationId xmlns:a16="http://schemas.microsoft.com/office/drawing/2014/main" id="{6B53B09D-AA37-B1C7-BAF8-F940E903F013}"/>
+              </a:ext>
+            </a:extLst>
+          </p:cNvPr>
+          <p:cNvCxnSpPr>
+            <a:cxnSpLocks/>
+            <a:stCxn id="18" idx="2"/>
+            <a:endCxn id="12" idx="0"/>
+          </p:cNvCxnSpPr>
+          <p:nvPr/>
+        </p:nvCxnSpPr>
+        <p:spPr>
+          <a:xfrm rot="5400000">
+            <a:off x="2580167" y="960474"/>
+            <a:ext cx="1474382" cy="3735571"/>
+          </a:xfrm>
+          <a:prstGeom prst="bentConnector3">
+            <a:avLst>
+              <a:gd name="adj1" fmla="val 18174"/>
+            </a:avLst>
+          </a:prstGeom>
+          <a:ln w="12700">
+            <a:solidFill>
+              <a:srgbClr val="FF0000"/>
+            </a:solidFill>
+            <a:tailEnd type="triangle"/>
+          </a:ln>
+        </p:spPr>
+        <p:style>
+          <a:lnRef idx="1">
+            <a:schemeClr val="dk1"/>
+          </a:lnRef>
+          <a:fillRef idx="0">
+            <a:schemeClr val="dk1"/>
+          </a:fillRef>
+          <a:effectRef idx="0">
+            <a:schemeClr val="dk1"/>
+          </a:effectRef>
+          <a:fontRef idx="minor">
+            <a:schemeClr val="tx1"/>
+          </a:fontRef>
+        </p:style>
+      </p:cxnSp>
+      <p:cxnSp>
+        <p:nvCxnSpPr>
+          <p:cNvPr id="5" name="连接符: 肘形 4">
+            <a:extLst>
+              <a:ext uri="{FF2B5EF4-FFF2-40B4-BE49-F238E27FC236}">
+                <a16:creationId xmlns:a16="http://schemas.microsoft.com/office/drawing/2014/main" id="{F1BCA5D7-F44A-7035-C7F0-B6645AEF80EB}"/>
+              </a:ext>
+            </a:extLst>
+          </p:cNvPr>
+          <p:cNvCxnSpPr>
+            <a:stCxn id="58" idx="0"/>
+            <a:endCxn id="18" idx="0"/>
+          </p:cNvCxnSpPr>
+          <p:nvPr/>
+        </p:nvCxnSpPr>
+        <p:spPr>
+          <a:xfrm rot="16200000" flipH="1" flipV="1">
+            <a:off x="7173429" y="-414671"/>
+            <a:ext cx="7089" cy="3983662"/>
+          </a:xfrm>
+          <a:prstGeom prst="bentConnector3">
+            <a:avLst>
+              <a:gd name="adj1" fmla="val -3224714"/>
+            </a:avLst>
+          </a:prstGeom>
+          <a:ln w="12700">
+            <a:solidFill>
+              <a:srgbClr val="FF0000"/>
+            </a:solidFill>
+            <a:tailEnd type="triangle"/>
+          </a:ln>
+        </p:spPr>
+        <p:style>
+          <a:lnRef idx="1">
+            <a:schemeClr val="dk1"/>
+          </a:lnRef>
+          <a:fillRef idx="0">
+            <a:schemeClr val="dk1"/>
+          </a:fillRef>
+          <a:effectRef idx="0">
+            <a:schemeClr val="dk1"/>
+          </a:effectRef>
+          <a:fontRef idx="minor">
+            <a:schemeClr val="tx1"/>
+          </a:fontRef>
+        </p:style>
+      </p:cxnSp>
+      <p:cxnSp>
+        <p:nvCxnSpPr>
+          <p:cNvPr id="8" name="连接符: 肘形 7">
+            <a:extLst>
+              <a:ext uri="{FF2B5EF4-FFF2-40B4-BE49-F238E27FC236}">
+                <a16:creationId xmlns:a16="http://schemas.microsoft.com/office/drawing/2014/main" id="{F51AEFE0-3FDD-F843-622A-938ECE234F17}"/>
+              </a:ext>
+            </a:extLst>
+          </p:cNvPr>
+          <p:cNvCxnSpPr>
+            <a:stCxn id="72" idx="2"/>
+            <a:endCxn id="58" idx="1"/>
+          </p:cNvCxnSpPr>
+          <p:nvPr/>
+        </p:nvCxnSpPr>
+        <p:spPr>
+          <a:xfrm rot="5400000" flipH="1" flipV="1">
+            <a:off x="6631168" y="2583710"/>
+            <a:ext cx="2714846" cy="1205022"/>
+          </a:xfrm>
+          <a:prstGeom prst="bentConnector4">
+            <a:avLst>
+              <a:gd name="adj1" fmla="val -8420"/>
+              <a:gd name="adj2" fmla="val 82647"/>
+            </a:avLst>
+          </a:prstGeom>
+          <a:ln w="12700">
+            <a:solidFill>
+              <a:srgbClr val="FF0000"/>
+            </a:solidFill>
+            <a:tailEnd type="triangle"/>
+          </a:ln>
+        </p:spPr>
+        <p:style>
+          <a:lnRef idx="1">
+            <a:schemeClr val="dk1"/>
+          </a:lnRef>
+          <a:fillRef idx="0">
+            <a:schemeClr val="dk1"/>
+          </a:fillRef>
+          <a:effectRef idx="0">
+            <a:schemeClr val="dk1"/>
+          </a:effectRef>
+          <a:fontRef idx="minor">
+            <a:schemeClr val="tx1"/>
+          </a:fontRef>
+        </p:style>
+      </p:cxnSp>
+      <p:cxnSp>
+        <p:nvCxnSpPr>
+          <p:cNvPr id="11" name="连接符: 肘形 10">
+            <a:extLst>
+              <a:ext uri="{FF2B5EF4-FFF2-40B4-BE49-F238E27FC236}">
+                <a16:creationId xmlns:a16="http://schemas.microsoft.com/office/drawing/2014/main" id="{F49E1A02-AAA8-05DF-938E-3A29F20C26D3}"/>
+              </a:ext>
+            </a:extLst>
+          </p:cNvPr>
+          <p:cNvCxnSpPr>
+            <a:stCxn id="91" idx="2"/>
+            <a:endCxn id="58" idx="3"/>
+          </p:cNvCxnSpPr>
+          <p:nvPr/>
+        </p:nvCxnSpPr>
+        <p:spPr>
+          <a:xfrm rot="5400000" flipH="1" flipV="1">
+            <a:off x="8116185" y="2902684"/>
+            <a:ext cx="2704208" cy="556436"/>
+          </a:xfrm>
+          <a:prstGeom prst="bentConnector4">
+            <a:avLst>
+              <a:gd name="adj1" fmla="val -8453"/>
+              <a:gd name="adj2" fmla="val 144905"/>
+            </a:avLst>
+          </a:prstGeom>
+          <a:ln w="12700">
+            <a:solidFill>
+              <a:srgbClr val="FF0000"/>
+            </a:solidFill>
+            <a:tailEnd type="triangle"/>
+          </a:ln>
+        </p:spPr>
+        <p:style>
+          <a:lnRef idx="1">
+            <a:schemeClr val="dk1"/>
+          </a:lnRef>
+          <a:fillRef idx="0">
+            <a:schemeClr val="dk1"/>
+          </a:fillRef>
+          <a:effectRef idx="0">
+            <a:schemeClr val="dk1"/>
+          </a:effectRef>
+          <a:fontRef idx="minor">
+            <a:schemeClr val="tx1"/>
+          </a:fontRef>
+        </p:style>
+      </p:cxnSp>
+      <p:cxnSp>
+        <p:nvCxnSpPr>
+          <p:cNvPr id="14" name="连接符: 肘形 13">
+            <a:extLst>
+              <a:ext uri="{FF2B5EF4-FFF2-40B4-BE49-F238E27FC236}">
+                <a16:creationId xmlns:a16="http://schemas.microsoft.com/office/drawing/2014/main" id="{6621BC58-4A9F-CC5B-1D85-6956D471BE9B}"/>
+              </a:ext>
+            </a:extLst>
+          </p:cNvPr>
+          <p:cNvCxnSpPr>
+            <a:stCxn id="99" idx="2"/>
+            <a:endCxn id="58" idx="3"/>
+          </p:cNvCxnSpPr>
+          <p:nvPr/>
+        </p:nvCxnSpPr>
+        <p:spPr>
+          <a:xfrm rot="5400000" flipH="1">
+            <a:off x="8914513" y="2660793"/>
+            <a:ext cx="2702440" cy="1038451"/>
+          </a:xfrm>
+          <a:prstGeom prst="bentConnector4">
+            <a:avLst>
+              <a:gd name="adj1" fmla="val -8459"/>
+              <a:gd name="adj2" fmla="val -80913"/>
+            </a:avLst>
+          </a:prstGeom>
+          <a:ln w="12700">
+            <a:solidFill>
+              <a:srgbClr val="FF0000"/>
+            </a:solidFill>
+            <a:tailEnd type="triangle"/>
+          </a:ln>
+        </p:spPr>
+        <p:style>
+          <a:lnRef idx="1">
+            <a:schemeClr val="dk1"/>
+          </a:lnRef>
+          <a:fillRef idx="0">
+            <a:schemeClr val="dk1"/>
+          </a:fillRef>
+          <a:effectRef idx="0">
+            <a:schemeClr val="dk1"/>
+          </a:effectRef>
+          <a:fontRef idx="minor">
+            <a:schemeClr val="tx1"/>
+          </a:fontRef>
+        </p:style>
+      </p:cxnSp>
+      <p:cxnSp>
+        <p:nvCxnSpPr>
+          <p:cNvPr id="17" name="连接符: 肘形 16">
+            <a:extLst>
+              <a:ext uri="{FF2B5EF4-FFF2-40B4-BE49-F238E27FC236}">
+                <a16:creationId xmlns:a16="http://schemas.microsoft.com/office/drawing/2014/main" id="{BC1B3D9D-617D-5B6A-E10F-5F5E6339051D}"/>
+              </a:ext>
+            </a:extLst>
+          </p:cNvPr>
+          <p:cNvCxnSpPr>
+            <a:stCxn id="25" idx="0"/>
+            <a:endCxn id="12" idx="0"/>
+          </p:cNvCxnSpPr>
+          <p:nvPr/>
+        </p:nvCxnSpPr>
+        <p:spPr>
+          <a:xfrm rot="16200000" flipV="1">
+            <a:off x="3317358" y="1697664"/>
+            <a:ext cx="12700" cy="3735571"/>
+          </a:xfrm>
+          <a:prstGeom prst="bentConnector3">
+            <a:avLst>
+              <a:gd name="adj1" fmla="val 1942110"/>
+            </a:avLst>
+          </a:prstGeom>
+          <a:ln w="12700">
+            <a:solidFill>
+              <a:srgbClr val="FF0000"/>
+            </a:solidFill>
+            <a:tailEnd type="triangle"/>
+          </a:ln>
+        </p:spPr>
+        <p:style>
+          <a:lnRef idx="1">
+            <a:schemeClr val="dk1"/>
+          </a:lnRef>
+          <a:fillRef idx="0">
+            <a:schemeClr val="dk1"/>
+          </a:fillRef>
+          <a:effectRef idx="0">
+            <a:schemeClr val="dk1"/>
+          </a:effectRef>
+          <a:fontRef idx="minor">
+            <a:schemeClr val="tx1"/>
+          </a:fontRef>
+        </p:style>
+      </p:cxnSp>
+      <p:cxnSp>
+        <p:nvCxnSpPr>
+          <p:cNvPr id="46" name="连接符: 肘形 45">
+            <a:extLst>
+              <a:ext uri="{FF2B5EF4-FFF2-40B4-BE49-F238E27FC236}">
+                <a16:creationId xmlns:a16="http://schemas.microsoft.com/office/drawing/2014/main" id="{F516E467-AABB-11DB-DBEE-8509825CCED7}"/>
+              </a:ext>
+            </a:extLst>
+          </p:cNvPr>
+          <p:cNvCxnSpPr>
+            <a:stCxn id="26" idx="0"/>
+            <a:endCxn id="12" idx="2"/>
+          </p:cNvCxnSpPr>
+          <p:nvPr/>
+        </p:nvCxnSpPr>
+        <p:spPr>
+          <a:xfrm rot="16200000" flipV="1">
+            <a:off x="3089645" y="2435741"/>
+            <a:ext cx="455425" cy="3735570"/>
+          </a:xfrm>
+          <a:prstGeom prst="bentConnector3">
+            <a:avLst/>
+          </a:prstGeom>
+          <a:ln w="12700">
+            <a:solidFill>
+              <a:srgbClr val="FF0000"/>
+            </a:solidFill>
+            <a:tailEnd type="triangle"/>
+          </a:ln>
+        </p:spPr>
+        <p:style>
+          <a:lnRef idx="1">
+            <a:schemeClr val="dk1"/>
+          </a:lnRef>
+          <a:fillRef idx="0">
+            <a:schemeClr val="dk1"/>
+          </a:fillRef>
+          <a:effectRef idx="0">
+            <a:schemeClr val="dk1"/>
+          </a:effectRef>
+          <a:fontRef idx="minor">
+            <a:schemeClr val="tx1"/>
+          </a:fontRef>
+        </p:style>
+      </p:cxnSp>
+      <p:cxnSp>
+        <p:nvCxnSpPr>
+          <p:cNvPr id="49" name="连接符: 肘形 48">
+            <a:extLst>
+              <a:ext uri="{FF2B5EF4-FFF2-40B4-BE49-F238E27FC236}">
+                <a16:creationId xmlns:a16="http://schemas.microsoft.com/office/drawing/2014/main" id="{8A6D7211-51A9-BBBB-4B77-5F64BD877355}"/>
+              </a:ext>
+            </a:extLst>
+          </p:cNvPr>
+          <p:cNvCxnSpPr>
+            <a:stCxn id="27" idx="0"/>
+            <a:endCxn id="12" idx="2"/>
+          </p:cNvCxnSpPr>
+          <p:nvPr/>
+        </p:nvCxnSpPr>
+        <p:spPr>
+          <a:xfrm rot="16200000" flipV="1">
+            <a:off x="2600549" y="2924837"/>
+            <a:ext cx="1433617" cy="3735569"/>
+          </a:xfrm>
+          <a:prstGeom prst="bentConnector3">
+            <a:avLst>
+              <a:gd name="adj1" fmla="val 19787"/>
+            </a:avLst>
+          </a:prstGeom>
+          <a:ln w="12700">
+            <a:solidFill>
+              <a:srgbClr val="FF0000"/>
+            </a:solidFill>
             <a:tailEnd type="triangle"/>
           </a:ln>
         </p:spPr>
@@ -5828,6 +6206,9 @@
     <a:lnDef>
       <a:spPr>
         <a:ln w="12700">
+          <a:solidFill>
+            <a:srgbClr val="FF0000"/>
+          </a:solidFill>
           <a:tailEnd type="triangle"/>
         </a:ln>
       </a:spPr>
